--- a/Java application deployment.pptx
+++ b/Java application deployment.pptx
@@ -6687,8 +6687,12 @@
           </a:p>
           <a:p>
             <a:r>
+              <a:rPr lang="en-US" sz="3600"/>
+              <a:t>Implement </a:t>
+            </a:r>
+            <a:r>
               <a:rPr lang="en-US" sz="3600" dirty="0"/>
-              <a:t>Imply functionality check for further deployment</a:t>
+              <a:t>functionality check for further deployment</a:t>
             </a:r>
           </a:p>
           <a:p>
